--- a/Presentations/SIMF_ConceptualTools.pptx
+++ b/Presentations/SIMF_ConceptualTools.pptx
@@ -254,7 +254,7 @@
           <a:p>
             <a:fld id="{38E3837F-7B40-4B98-90A9-C161BB7B8FD2}" type="datetimeFigureOut">
               <a:rPr lang="en-US" smtClean="0"/>
-              <a:t>2/15/2018</a:t>
+              <a:t>9/12/2018</a:t>
             </a:fld>
             <a:endParaRPr lang="en-US"/>
           </a:p>
@@ -419,7 +419,7 @@
           <a:p>
             <a:fld id="{C40E5A84-7D87-452D-8FE3-23F521AC3943}" type="datetimeFigureOut">
               <a:rPr lang="en-US" smtClean="0"/>
-              <a:t>2/15/2018</a:t>
+              <a:t>9/12/2018</a:t>
             </a:fld>
             <a:endParaRPr lang="en-US"/>
           </a:p>
@@ -10807,7 +10807,7 @@
           <a:p>
             <a:fld id="{BE80ADE7-DD84-48A6-A0E5-4A13B3316DE6}" type="datetime1">
               <a:rPr lang="en-US" smtClean="0"/>
-              <a:t>2/15/2018</a:t>
+              <a:t>9/12/2018</a:t>
             </a:fld>
             <a:endParaRPr lang="en-US"/>
           </a:p>
@@ -11103,7 +11103,7 @@
           <a:p>
             <a:fld id="{1F9A5793-53E3-4EFA-8FEB-3135A2F5C16E}" type="datetime1">
               <a:rPr lang="en-US" smtClean="0"/>
-              <a:t>2/15/2018</a:t>
+              <a:t>9/12/2018</a:t>
             </a:fld>
             <a:endParaRPr lang="en-US" dirty="0"/>
           </a:p>
@@ -13922,7 +13922,7 @@
           <a:p>
             <a:fld id="{1F9A5793-53E3-4EFA-8FEB-3135A2F5C16E}" type="datetime1">
               <a:rPr lang="en-US" smtClean="0"/>
-              <a:t>2/15/2018</a:t>
+              <a:t>9/12/2018</a:t>
             </a:fld>
             <a:endParaRPr lang="en-US" dirty="0"/>
           </a:p>
